--- a/01_css3/비NCSCSS.pptx
+++ b/01_css3/비NCSCSS.pptx
@@ -23997,8 +23997,28 @@
               <a:buChar char="•"/>
             </a:pPr>
             <a:r>
+              <a:rPr lang="ko-KR" altLang="en-US" sz="1400" dirty="0">
+                <a:solidFill>
+                  <a:srgbClr val="FF0000"/>
+                </a:solidFill>
+              </a:rPr>
+              <a:t>인라인 스타일은 </a:t>
+            </a:r>
+            <a:r>
               <a:rPr lang="ko-KR" altLang="en-US" sz="1400" dirty="0"/>
-              <a:t>인라인 스타일은 가장 우선순위가 제일 큰 스타일이다</a:t>
+              <a:t>가장 우선순위가 </a:t>
+            </a:r>
+            <a:r>
+              <a:rPr lang="ko-KR" altLang="en-US" sz="1400" dirty="0">
+                <a:solidFill>
+                  <a:srgbClr val="FF0000"/>
+                </a:solidFill>
+              </a:rPr>
+              <a:t>제일 큰 스타일</a:t>
+            </a:r>
+            <a:r>
+              <a:rPr lang="ko-KR" altLang="en-US" sz="1400" dirty="0"/>
+              <a:t>이다</a:t>
             </a:r>
             <a:r>
               <a:rPr lang="en-US" altLang="ko-KR" sz="1400" dirty="0"/>
@@ -24006,7 +24026,7 @@
             </a:r>
             <a:r>
               <a:rPr lang="ko-KR" altLang="en-US" sz="1400" dirty="0"/>
-              <a:t>내부스타일 </a:t>
+              <a:t>내부스타일</a:t>
             </a:r>
             <a:r>
               <a:rPr lang="en-US" altLang="ko-KR" sz="1400" dirty="0"/>
